--- a/Presentation/RMpresentation_r1.pptx
+++ b/Presentation/RMpresentation_r1.pptx
@@ -223,7 +223,7 @@
           <a:p>
             <a:fld id="{4B54F122-EBE1-4B36-A32A-DF976CA0B9CE}" type="datetimeFigureOut">
               <a:rPr lang="en-US" smtClean="0"/>
-              <a:t>7/12/2017</a:t>
+              <a:t>7/14/2017</a:t>
             </a:fld>
             <a:endParaRPr lang="en-US"/>
           </a:p>
@@ -389,7 +389,7 @@
           <a:p>
             <a:fld id="{36A6D4C5-FD34-4C91-B641-2E45D2FA3FCD}" type="datetimeFigureOut">
               <a:rPr lang="en-US" smtClean="0"/>
-              <a:t>7/12/2017</a:t>
+              <a:t>7/14/2017</a:t>
             </a:fld>
             <a:endParaRPr lang="en-US"/>
           </a:p>
@@ -4369,7 +4369,7 @@
           <a:p>
             <a:fld id="{BC4FC172-2285-4F3F-90AE-297060597800}" type="datetime4">
               <a:rPr lang="en-US" smtClean="0"/>
-              <a:t>July 12, 2017</a:t>
+              <a:t>July 14, 2017</a:t>
             </a:fld>
             <a:endParaRPr lang="en-US"/>
           </a:p>
@@ -4538,7 +4538,7 @@
           <a:p>
             <a:fld id="{36708E99-C0BD-4105-BD8C-C8DD6A9CFD5E}" type="datetime4">
               <a:rPr lang="en-US" smtClean="0"/>
-              <a:t>July 12, 2017</a:t>
+              <a:t>July 14, 2017</a:t>
             </a:fld>
             <a:endParaRPr lang="en-US"/>
           </a:p>
@@ -4717,7 +4717,7 @@
           <a:p>
             <a:fld id="{64FC8515-61F8-45EE-9F90-056934BE64AD}" type="datetime4">
               <a:rPr lang="en-US" smtClean="0"/>
-              <a:t>July 12, 2017</a:t>
+              <a:t>July 14, 2017</a:t>
             </a:fld>
             <a:endParaRPr lang="en-US"/>
           </a:p>
@@ -4886,7 +4886,7 @@
           <a:p>
             <a:fld id="{1862D449-42D1-4AAD-A479-E41B5E9877E6}" type="datetime4">
               <a:rPr lang="en-US" smtClean="0"/>
-              <a:t>July 12, 2017</a:t>
+              <a:t>July 14, 2017</a:t>
             </a:fld>
             <a:endParaRPr lang="en-US"/>
           </a:p>
@@ -5131,7 +5131,7 @@
           <a:p>
             <a:fld id="{5604E420-81E6-483F-B7A3-EB6F72782881}" type="datetime4">
               <a:rPr lang="en-US" smtClean="0"/>
-              <a:t>July 12, 2017</a:t>
+              <a:t>July 14, 2017</a:t>
             </a:fld>
             <a:endParaRPr lang="en-US"/>
           </a:p>
@@ -5418,7 +5418,7 @@
           <a:p>
             <a:fld id="{EBC48570-156B-4C5D-BAE8-BBD1B6E78B00}" type="datetime4">
               <a:rPr lang="en-US" smtClean="0"/>
-              <a:t>July 12, 2017</a:t>
+              <a:t>July 14, 2017</a:t>
             </a:fld>
             <a:endParaRPr lang="en-US"/>
           </a:p>
@@ -5839,7 +5839,7 @@
           <a:p>
             <a:fld id="{1146C381-7E3D-43D0-9B17-A9A27FD9B9E3}" type="datetime4">
               <a:rPr lang="en-US" smtClean="0"/>
-              <a:t>July 12, 2017</a:t>
+              <a:t>July 14, 2017</a:t>
             </a:fld>
             <a:endParaRPr lang="en-US"/>
           </a:p>
@@ -5956,7 +5956,7 @@
           <a:p>
             <a:fld id="{5FD47DC1-EFF6-4BD4-B68D-DC946D4FF183}" type="datetime4">
               <a:rPr lang="en-US" smtClean="0"/>
-              <a:t>July 12, 2017</a:t>
+              <a:t>July 14, 2017</a:t>
             </a:fld>
             <a:endParaRPr lang="en-US"/>
           </a:p>
@@ -6050,7 +6050,7 @@
           <a:p>
             <a:fld id="{99640ABE-3A16-47D2-9F90-0E743FF25D39}" type="datetime4">
               <a:rPr lang="en-US" smtClean="0"/>
-              <a:t>July 12, 2017</a:t>
+              <a:t>July 14, 2017</a:t>
             </a:fld>
             <a:endParaRPr lang="en-US"/>
           </a:p>
@@ -6326,7 +6326,7 @@
           <a:p>
             <a:fld id="{3C2A2417-FDE2-41D0-8887-15C0F82FDA20}" type="datetime4">
               <a:rPr lang="en-US" smtClean="0"/>
-              <a:t>July 12, 2017</a:t>
+              <a:t>July 14, 2017</a:t>
             </a:fld>
             <a:endParaRPr lang="en-US"/>
           </a:p>
@@ -6582,7 +6582,7 @@
           <a:p>
             <a:fld id="{12A13EAD-E644-4DBB-9D93-AD67529ED913}" type="datetime4">
               <a:rPr lang="en-US" smtClean="0"/>
-              <a:t>July 12, 2017</a:t>
+              <a:t>July 14, 2017</a:t>
             </a:fld>
             <a:endParaRPr lang="en-US"/>
           </a:p>
@@ -6794,7 +6794,7 @@
           <a:p>
             <a:fld id="{10D1729A-927C-4D1D-81C9-37B1B95DAD1D}" type="datetime4">
               <a:rPr lang="en-US" smtClean="0"/>
-              <a:t>July 12, 2017</a:t>
+              <a:t>July 14, 2017</a:t>
             </a:fld>
             <a:endParaRPr lang="en-US"/>
           </a:p>
@@ -7171,25 +7171,23 @@
       </p:grpSpPr>
       <p:sp>
         <p:nvSpPr>
-          <p:cNvPr id="15" name="Rectangle 14"/>
+          <p:cNvPr id="11" name="Rettangolo 1"/>
           <p:cNvSpPr/>
           <p:nvPr/>
         </p:nvSpPr>
         <p:spPr>
           <a:xfrm>
-            <a:off x="0" y="6409155"/>
-            <a:ext cx="9144000" cy="448843"/>
+            <a:off x="0" y="5832266"/>
+            <a:ext cx="9144000" cy="1025734"/>
           </a:xfrm>
           <a:prstGeom prst="rect">
             <a:avLst/>
           </a:prstGeom>
           <a:solidFill>
-            <a:schemeClr val="bg2"/>
+            <a:schemeClr val="bg1"/>
           </a:solidFill>
           <a:ln>
-            <a:solidFill>
-              <a:schemeClr val="bg2"/>
-            </a:solidFill>
+            <a:noFill/>
           </a:ln>
         </p:spPr>
         <p:style>
@@ -7217,9 +7215,99 @@
           </a:p>
         </p:txBody>
       </p:sp>
-      <p:sp>
-        <p:nvSpPr>
-          <p:cNvPr id="16" name="Date Placeholder 6"/>
+      <p:pic>
+        <p:nvPicPr>
+          <p:cNvPr id="12" name="Immagine 2"/>
+          <p:cNvPicPr>
+            <a:picLocks noChangeAspect="1"/>
+          </p:cNvPicPr>
+          <p:nvPr/>
+        </p:nvPicPr>
+        <p:blipFill>
+          <a:blip r:embed="rId2" cstate="print">
+            <a:extLst>
+              <a:ext uri="{28A0092B-C50C-407E-A947-70E740481C1C}">
+                <a14:useLocalDpi xmlns:a14="http://schemas.microsoft.com/office/drawing/2010/main" val="0"/>
+              </a:ext>
+            </a:extLst>
+          </a:blip>
+          <a:stretch>
+            <a:fillRect/>
+          </a:stretch>
+        </p:blipFill>
+        <p:spPr>
+          <a:xfrm>
+            <a:off x="517870" y="5864063"/>
+            <a:ext cx="1511708" cy="647141"/>
+          </a:xfrm>
+          <a:prstGeom prst="rect">
+            <a:avLst/>
+          </a:prstGeom>
+        </p:spPr>
+      </p:pic>
+      <p:pic>
+        <p:nvPicPr>
+          <p:cNvPr id="13" name="Immagine 4"/>
+          <p:cNvPicPr>
+            <a:picLocks noChangeAspect="1"/>
+          </p:cNvPicPr>
+          <p:nvPr/>
+        </p:nvPicPr>
+        <p:blipFill>
+          <a:blip r:embed="rId3" cstate="print">
+            <a:extLst>
+              <a:ext uri="{28A0092B-C50C-407E-A947-70E740481C1C}">
+                <a14:useLocalDpi xmlns:a14="http://schemas.microsoft.com/office/drawing/2010/main" val="0"/>
+              </a:ext>
+            </a:extLst>
+          </a:blip>
+          <a:stretch>
+            <a:fillRect/>
+          </a:stretch>
+        </p:blipFill>
+        <p:spPr>
+          <a:xfrm>
+            <a:off x="7740352" y="5805264"/>
+            <a:ext cx="691435" cy="705940"/>
+          </a:xfrm>
+          <a:prstGeom prst="rect">
+            <a:avLst/>
+          </a:prstGeom>
+        </p:spPr>
+      </p:pic>
+      <p:pic>
+        <p:nvPicPr>
+          <p:cNvPr id="14" name="Immagine 6"/>
+          <p:cNvPicPr>
+            <a:picLocks noChangeAspect="1"/>
+          </p:cNvPicPr>
+          <p:nvPr/>
+        </p:nvPicPr>
+        <p:blipFill>
+          <a:blip r:embed="rId4" cstate="print">
+            <a:extLst>
+              <a:ext uri="{28A0092B-C50C-407E-A947-70E740481C1C}">
+                <a14:useLocalDpi xmlns:a14="http://schemas.microsoft.com/office/drawing/2010/main" val="0"/>
+              </a:ext>
+            </a:extLst>
+          </a:blip>
+          <a:stretch>
+            <a:fillRect/>
+          </a:stretch>
+        </p:blipFill>
+        <p:spPr>
+          <a:xfrm>
+            <a:off x="3134512" y="5900969"/>
+            <a:ext cx="2874976" cy="514530"/>
+          </a:xfrm>
+          <a:prstGeom prst="rect">
+            <a:avLst/>
+          </a:prstGeom>
+        </p:spPr>
+      </p:pic>
+      <p:sp>
+        <p:nvSpPr>
+          <p:cNvPr id="20" name="Date Placeholder 6"/>
           <p:cNvSpPr>
             <a:spLocks noGrp="1"/>
           </p:cNvSpPr>
@@ -7229,8 +7317,8 @@
         </p:nvSpPr>
         <p:spPr>
           <a:xfrm>
-            <a:off x="1762839" y="6409155"/>
-            <a:ext cx="2061592" cy="448843"/>
+            <a:off x="3491880" y="5157192"/>
+            <a:ext cx="2398948" cy="448843"/>
           </a:xfrm>
         </p:spPr>
         <p:txBody>
@@ -7238,80 +7326,49 @@
           <a:lstStyle/>
           <a:p>
             <a:pPr algn="ctr"/>
-            <a:fld id="{6C4E8271-70CA-4668-9C33-BE25780D6213}" type="datetime4">
-              <a:rPr lang="en-US" smtClean="0">
+            <a:r>
+              <a:rPr lang="en-US" sz="1600" dirty="0" smtClean="0">
                 <a:solidFill>
                   <a:schemeClr val="tx1"/>
                 </a:solidFill>
-                <a:latin typeface="Lato" panose="020F0502020204030203" pitchFamily="34" charset="0"/>
-                <a:ea typeface="Lato" panose="020F0502020204030203" pitchFamily="34" charset="0"/>
-                <a:cs typeface="Lato" panose="020F0502020204030203" pitchFamily="34" charset="0"/>
-              </a:rPr>
-              <a:t>July 12, 2017</a:t>
+                <a:latin typeface="Lato Medium" panose="020F0502020204030203" pitchFamily="34" charset="0"/>
+                <a:ea typeface="Lato Medium" panose="020F0502020204030203" pitchFamily="34" charset="0"/>
+                <a:cs typeface="Lato Medium" panose="020F0502020204030203" pitchFamily="34" charset="0"/>
+              </a:rPr>
+              <a:t>Pisa, </a:t>
+            </a:r>
+            <a:fld id="{6C4E8271-70CA-4668-9C33-BE25780D6213}" type="datetime4">
+              <a:rPr lang="en-US" sz="1600" smtClean="0">
+                <a:solidFill>
+                  <a:schemeClr val="tx1"/>
+                </a:solidFill>
+                <a:latin typeface="Lato Medium" panose="020F0502020204030203" pitchFamily="34" charset="0"/>
+                <a:ea typeface="Lato Medium" panose="020F0502020204030203" pitchFamily="34" charset="0"/>
+                <a:cs typeface="Lato Medium" panose="020F0502020204030203" pitchFamily="34" charset="0"/>
+              </a:rPr>
+              <a:t>July 14, 2017</a:t>
             </a:fld>
-            <a:endParaRPr lang="en-US" dirty="0">
+            <a:endParaRPr lang="en-US" sz="1600" dirty="0">
               <a:solidFill>
                 <a:schemeClr val="tx1"/>
               </a:solidFill>
-              <a:latin typeface="Lato" panose="020F0502020204030203" pitchFamily="34" charset="0"/>
-              <a:ea typeface="Lato" panose="020F0502020204030203" pitchFamily="34" charset="0"/>
-              <a:cs typeface="Lato" panose="020F0502020204030203" pitchFamily="34" charset="0"/>
+              <a:latin typeface="Lato Medium" panose="020F0502020204030203" pitchFamily="34" charset="0"/>
+              <a:ea typeface="Lato Medium" panose="020F0502020204030203" pitchFamily="34" charset="0"/>
+              <a:cs typeface="Lato Medium" panose="020F0502020204030203" pitchFamily="34" charset="0"/>
             </a:endParaRPr>
           </a:p>
         </p:txBody>
       </p:sp>
       <p:sp>
         <p:nvSpPr>
-          <p:cNvPr id="17" name="Footer Placeholder 7"/>
-          <p:cNvSpPr>
-            <a:spLocks noGrp="1"/>
-          </p:cNvSpPr>
-          <p:nvPr>
-            <p:ph type="ftr" sz="quarter" idx="11"/>
-          </p:nvPr>
-        </p:nvSpPr>
-        <p:spPr>
-          <a:xfrm>
-            <a:off x="4427984" y="6409155"/>
-            <a:ext cx="2895600" cy="448843"/>
-          </a:xfrm>
-        </p:spPr>
-        <p:txBody>
-          <a:bodyPr/>
-          <a:lstStyle/>
-          <a:p>
-            <a:r>
-              <a:rPr lang="en-US" dirty="0" smtClean="0">
-                <a:solidFill>
-                  <a:schemeClr val="tx1"/>
-                </a:solidFill>
-                <a:latin typeface="Lato" panose="020F0502020204030203" pitchFamily="34" charset="0"/>
-                <a:ea typeface="Lato" panose="020F0502020204030203" pitchFamily="34" charset="0"/>
-                <a:cs typeface="Lato" panose="020F0502020204030203" pitchFamily="34" charset="0"/>
-              </a:rPr>
-              <a:t>United Technologies Research Center</a:t>
-            </a:r>
-            <a:endParaRPr lang="en-US" dirty="0">
-              <a:solidFill>
-                <a:schemeClr val="tx1"/>
-              </a:solidFill>
-              <a:latin typeface="Lato" panose="020F0502020204030203" pitchFamily="34" charset="0"/>
-              <a:ea typeface="Lato" panose="020F0502020204030203" pitchFamily="34" charset="0"/>
-              <a:cs typeface="Lato" panose="020F0502020204030203" pitchFamily="34" charset="0"/>
-            </a:endParaRPr>
-          </a:p>
-        </p:txBody>
-      </p:sp>
-      <p:sp>
-        <p:nvSpPr>
-          <p:cNvPr id="18" name="TextBox 17"/>
+          <p:cNvPr id="21" name="CasellaDiTesto 14"/>
           <p:cNvSpPr txBox="1"/>
           <p:nvPr/>
         </p:nvSpPr>
         <p:spPr>
           <a:xfrm>
-            <a:off x="564638" y="6504111"/>
-            <a:ext cx="1029947" cy="276999"/>
+            <a:off x="2447764" y="262389"/>
+            <a:ext cx="4248472" cy="646331"/>
           </a:xfrm>
           <a:prstGeom prst="rect">
             <a:avLst/>
@@ -7324,64 +7381,275 @@
           </a:bodyPr>
           <a:lstStyle/>
           <a:p>
-            <a:r>
-              <a:rPr lang="en-GB" sz="1200" dirty="0" smtClean="0">
-                <a:latin typeface="Lato" panose="020F0502020204030203" pitchFamily="34" charset="0"/>
-                <a:ea typeface="Lato" panose="020F0502020204030203" pitchFamily="34" charset="0"/>
-                <a:cs typeface="Lato" panose="020F0502020204030203" pitchFamily="34" charset="0"/>
-              </a:rPr>
-              <a:t>M.Celia</a:t>
-            </a:r>
-            <a:endParaRPr lang="en-US" sz="1200" dirty="0">
-              <a:latin typeface="Lato" panose="020F0502020204030203" pitchFamily="34" charset="0"/>
-              <a:ea typeface="Lato" panose="020F0502020204030203" pitchFamily="34" charset="0"/>
-              <a:cs typeface="Lato" panose="020F0502020204030203" pitchFamily="34" charset="0"/>
+            <a:pPr algn="ctr"/>
+            <a:r>
+              <a:rPr lang="en-US" i="1" dirty="0" smtClean="0">
+                <a:latin typeface="Lato Medium" panose="020F0502020204030203" pitchFamily="34" charset="0"/>
+                <a:ea typeface="Lato Medium" panose="020F0502020204030203" pitchFamily="34" charset="0"/>
+                <a:cs typeface="Lato Medium" panose="020F0502020204030203" pitchFamily="34" charset="0"/>
+              </a:rPr>
+              <a:t>Master Degree in Embedded Computing Systems</a:t>
+            </a:r>
+            <a:endParaRPr lang="en-US" i="1" dirty="0">
+              <a:latin typeface="Lato Medium" panose="020F0502020204030203" pitchFamily="34" charset="0"/>
+              <a:ea typeface="Lato Medium" panose="020F0502020204030203" pitchFamily="34" charset="0"/>
+              <a:cs typeface="Lato Medium" panose="020F0502020204030203" pitchFamily="34" charset="0"/>
             </a:endParaRPr>
           </a:p>
         </p:txBody>
       </p:sp>
-      <p:sp>
-        <p:nvSpPr>
-          <p:cNvPr id="19" name="Slide Number Placeholder 8"/>
-          <p:cNvSpPr>
-            <a:spLocks noGrp="1"/>
-          </p:cNvSpPr>
-          <p:nvPr>
-            <p:ph type="sldNum" sz="quarter" idx="12"/>
-          </p:nvPr>
-        </p:nvSpPr>
-        <p:spPr>
-          <a:xfrm>
-            <a:off x="6553200" y="6409154"/>
-            <a:ext cx="2133600" cy="448845"/>
-          </a:xfrm>
-        </p:spPr>
-        <p:txBody>
-          <a:bodyPr/>
-          <a:lstStyle/>
-          <a:p>
-            <a:fld id="{77D5BC96-C262-44A9-A0BB-2BDA2E2D380A}" type="slidenum">
-              <a:rPr lang="en-US" smtClean="0">
-                <a:solidFill>
-                  <a:schemeClr val="tx1"/>
-                </a:solidFill>
-                <a:latin typeface="Lato" panose="020F0502020204030203" pitchFamily="34" charset="0"/>
-                <a:ea typeface="Lato" panose="020F0502020204030203" pitchFamily="34" charset="0"/>
-                <a:cs typeface="Lato" panose="020F0502020204030203" pitchFamily="34" charset="0"/>
-              </a:rPr>
-              <a:t>1</a:t>
-            </a:fld>
-            <a:endParaRPr lang="en-US" dirty="0">
-              <a:solidFill>
-                <a:schemeClr val="tx1"/>
-              </a:solidFill>
-              <a:latin typeface="Lato" panose="020F0502020204030203" pitchFamily="34" charset="0"/>
-              <a:ea typeface="Lato" panose="020F0502020204030203" pitchFamily="34" charset="0"/>
-              <a:cs typeface="Lato" panose="020F0502020204030203" pitchFamily="34" charset="0"/>
-            </a:endParaRPr>
-          </a:p>
-        </p:txBody>
-      </p:sp>
+      <p:grpSp>
+        <p:nvGrpSpPr>
+          <p:cNvPr id="22" name="Gruppo 9"/>
+          <p:cNvGrpSpPr/>
+          <p:nvPr/>
+        </p:nvGrpSpPr>
+        <p:grpSpPr>
+          <a:xfrm>
+            <a:off x="781944" y="1790222"/>
+            <a:ext cx="7464396" cy="2860230"/>
+            <a:chOff x="1274758" y="4987010"/>
+            <a:chExt cx="22269929" cy="26028145"/>
+          </a:xfrm>
+        </p:grpSpPr>
+        <p:sp>
+          <p:nvSpPr>
+            <p:cNvPr id="23" name="Rectangle 1"/>
+            <p:cNvSpPr>
+              <a:spLocks/>
+            </p:cNvSpPr>
+            <p:nvPr/>
+          </p:nvSpPr>
+          <p:spPr bwMode="auto">
+            <a:xfrm>
+              <a:off x="1311221" y="4987010"/>
+              <a:ext cx="21755296" cy="11763247"/>
+            </a:xfrm>
+            <a:prstGeom prst="rect">
+              <a:avLst/>
+            </a:prstGeom>
+            <a:noFill/>
+            <a:ln>
+              <a:noFill/>
+            </a:ln>
+            <a:extLst>
+              <a:ext uri="{909E8E84-426E-40DD-AFC4-6F175D3DCCD1}">
+                <a14:hiddenFill xmlns:a14="http://schemas.microsoft.com/office/drawing/2010/main">
+                  <a:solidFill>
+                    <a:srgbClr val="FFFFFF"/>
+                  </a:solidFill>
+                </a14:hiddenFill>
+              </a:ext>
+              <a:ext uri="{91240B29-F687-4F45-9708-019B960494DF}">
+                <a14:hiddenLine xmlns:a14="http://schemas.microsoft.com/office/drawing/2010/main" w="12700">
+                  <a:solidFill>
+                    <a:schemeClr val="tx1"/>
+                  </a:solidFill>
+                  <a:miter lim="800000"/>
+                  <a:headEnd/>
+                  <a:tailEnd/>
+                </a14:hiddenLine>
+              </a:ext>
+            </a:extLst>
+          </p:spPr>
+          <p:txBody>
+            <a:bodyPr wrap="none" lIns="0" tIns="0" rIns="0" bIns="0" anchor="ctr">
+              <a:spAutoFit/>
+            </a:bodyPr>
+            <a:lstStyle/>
+            <a:p>
+              <a:pPr algn="ctr"/>
+              <a:r>
+                <a:rPr lang="en-US" sz="2800" b="1" spc="150" dirty="0" smtClean="0">
+                  <a:latin typeface="Lato Black" panose="020F0502020204030203" pitchFamily="34" charset="0"/>
+                  <a:ea typeface="Lato Black" panose="020F0502020204030203" pitchFamily="34" charset="0"/>
+                  <a:cs typeface="Lato Black" panose="020F0502020204030203" pitchFamily="34" charset="0"/>
+                  <a:sym typeface="Bebas Neue" charset="0"/>
+                </a:rPr>
+                <a:t>From natural language requirements to </a:t>
+              </a:r>
+            </a:p>
+            <a:p>
+              <a:pPr algn="ctr"/>
+              <a:r>
+                <a:rPr lang="en-US" sz="2800" b="1" spc="150" dirty="0" smtClean="0">
+                  <a:latin typeface="Lato Black" panose="020F0502020204030203" pitchFamily="34" charset="0"/>
+                  <a:ea typeface="Lato Black" panose="020F0502020204030203" pitchFamily="34" charset="0"/>
+                  <a:cs typeface="Lato Black" panose="020F0502020204030203" pitchFamily="34" charset="0"/>
+                  <a:sym typeface="Bebas Neue" charset="0"/>
+                </a:rPr>
+                <a:t>Simulation Monitors: Synthesis through </a:t>
+              </a:r>
+            </a:p>
+            <a:p>
+              <a:pPr algn="ctr"/>
+              <a:r>
+                <a:rPr lang="en-US" sz="2800" b="1" spc="150" dirty="0">
+                  <a:latin typeface="Lato Black" panose="020F0502020204030203" pitchFamily="34" charset="0"/>
+                  <a:ea typeface="Lato Black" panose="020F0502020204030203" pitchFamily="34" charset="0"/>
+                  <a:cs typeface="Lato Black" panose="020F0502020204030203" pitchFamily="34" charset="0"/>
+                  <a:sym typeface="Bebas Neue" charset="0"/>
+                </a:rPr>
+                <a:t>c</a:t>
+              </a:r>
+              <a:r>
+                <a:rPr lang="en-US" sz="2800" b="1" spc="150" dirty="0" smtClean="0">
+                  <a:latin typeface="Lato Black" panose="020F0502020204030203" pitchFamily="34" charset="0"/>
+                  <a:ea typeface="Lato Black" panose="020F0502020204030203" pitchFamily="34" charset="0"/>
+                  <a:cs typeface="Lato Black" panose="020F0502020204030203" pitchFamily="34" charset="0"/>
+                  <a:sym typeface="Bebas Neue" charset="0"/>
+                </a:rPr>
+                <a:t>ode generation</a:t>
+              </a:r>
+              <a:endParaRPr lang="en-US" sz="2800" b="1" spc="150" dirty="0">
+                <a:latin typeface="Lato Black" panose="020F0502020204030203" pitchFamily="34" charset="0"/>
+                <a:ea typeface="Lato Black" panose="020F0502020204030203" pitchFamily="34" charset="0"/>
+                <a:cs typeface="Lato Black" panose="020F0502020204030203" pitchFamily="34" charset="0"/>
+                <a:sym typeface="Bebas Neue" charset="0"/>
+              </a:endParaRPr>
+            </a:p>
+          </p:txBody>
+        </p:sp>
+        <p:grpSp>
+          <p:nvGrpSpPr>
+            <p:cNvPr id="24" name="Gruppo 8"/>
+            <p:cNvGrpSpPr/>
+            <p:nvPr/>
+          </p:nvGrpSpPr>
+          <p:grpSpPr>
+            <a:xfrm>
+              <a:off x="1274758" y="23453067"/>
+              <a:ext cx="22269929" cy="7562088"/>
+              <a:chOff x="2889655" y="23094120"/>
+              <a:chExt cx="19043981" cy="7562088"/>
+            </a:xfrm>
+          </p:grpSpPr>
+          <p:sp>
+            <p:nvSpPr>
+              <p:cNvPr id="25" name="CasellaDiTesto 7"/>
+              <p:cNvSpPr txBox="1"/>
+              <p:nvPr/>
+            </p:nvSpPr>
+            <p:spPr>
+              <a:xfrm>
+                <a:off x="2889655" y="23094120"/>
+                <a:ext cx="6362740" cy="7562088"/>
+              </a:xfrm>
+              <a:prstGeom prst="rect">
+                <a:avLst/>
+              </a:prstGeom>
+              <a:noFill/>
+            </p:spPr>
+            <p:txBody>
+              <a:bodyPr wrap="square" rtlCol="0">
+                <a:spAutoFit/>
+              </a:bodyPr>
+              <a:lstStyle/>
+              <a:p>
+                <a:r>
+                  <a:rPr lang="en-US" sz="1600" i="1" dirty="0" smtClean="0">
+                    <a:latin typeface="Lato Medium" panose="020F0502020204030203" pitchFamily="34" charset="0"/>
+                    <a:ea typeface="Lato Medium" panose="020F0502020204030203" pitchFamily="34" charset="0"/>
+                    <a:cs typeface="Lato Medium" panose="020F0502020204030203" pitchFamily="34" charset="0"/>
+                  </a:rPr>
+                  <a:t>Supervisors:</a:t>
+                </a:r>
+              </a:p>
+              <a:p>
+                <a:r>
+                  <a:rPr lang="en-US" sz="1600" dirty="0" smtClean="0">
+                    <a:latin typeface="Lato Medium" panose="020F0502020204030203" pitchFamily="34" charset="0"/>
+                    <a:ea typeface="Lato Medium" panose="020F0502020204030203" pitchFamily="34" charset="0"/>
+                    <a:cs typeface="Lato Medium" panose="020F0502020204030203" pitchFamily="34" charset="0"/>
+                  </a:rPr>
+                  <a:t>Prof. </a:t>
+                </a:r>
+                <a:r>
+                  <a:rPr lang="en-US" sz="1600" dirty="0" smtClean="0">
+                    <a:latin typeface="Lato Medium" panose="020F0502020204030203" pitchFamily="34" charset="0"/>
+                    <a:ea typeface="Lato Medium" panose="020F0502020204030203" pitchFamily="34" charset="0"/>
+                    <a:cs typeface="Lato Medium" panose="020F0502020204030203" pitchFamily="34" charset="0"/>
+                  </a:rPr>
+                  <a:t>Marco </a:t>
+                </a:r>
+                <a:r>
+                  <a:rPr lang="en-US" sz="1600" dirty="0" smtClean="0">
+                    <a:latin typeface="Lato Medium" panose="020F0502020204030203" pitchFamily="34" charset="0"/>
+                    <a:ea typeface="Lato Medium" panose="020F0502020204030203" pitchFamily="34" charset="0"/>
+                    <a:cs typeface="Lato Medium" panose="020F0502020204030203" pitchFamily="34" charset="0"/>
+                  </a:rPr>
+                  <a:t>Di Natale</a:t>
+                </a:r>
+              </a:p>
+              <a:p>
+                <a:r>
+                  <a:rPr lang="en-US" sz="1600" dirty="0" smtClean="0">
+                    <a:latin typeface="Lato Medium" panose="020F0502020204030203" pitchFamily="34" charset="0"/>
+                    <a:ea typeface="Lato Medium" panose="020F0502020204030203" pitchFamily="34" charset="0"/>
+                    <a:cs typeface="Lato Medium" panose="020F0502020204030203" pitchFamily="34" charset="0"/>
+                  </a:rPr>
+                  <a:t>Prof. Giorgio C. Buttazzo</a:t>
+                </a:r>
+                <a:endParaRPr lang="en-US" sz="1600" dirty="0">
+                  <a:latin typeface="Lato Medium" panose="020F0502020204030203" pitchFamily="34" charset="0"/>
+                  <a:ea typeface="Lato Medium" panose="020F0502020204030203" pitchFamily="34" charset="0"/>
+                  <a:cs typeface="Lato Medium" panose="020F0502020204030203" pitchFamily="34" charset="0"/>
+                </a:endParaRPr>
+              </a:p>
+            </p:txBody>
+          </p:sp>
+          <p:sp>
+            <p:nvSpPr>
+              <p:cNvPr id="26" name="CasellaDiTesto 12"/>
+              <p:cNvSpPr txBox="1"/>
+              <p:nvPr/>
+            </p:nvSpPr>
+            <p:spPr>
+              <a:xfrm>
+                <a:off x="15570893" y="23934343"/>
+                <a:ext cx="6362743" cy="5321463"/>
+              </a:xfrm>
+              <a:prstGeom prst="rect">
+                <a:avLst/>
+              </a:prstGeom>
+              <a:noFill/>
+            </p:spPr>
+            <p:txBody>
+              <a:bodyPr wrap="square" rtlCol="0">
+                <a:spAutoFit/>
+              </a:bodyPr>
+              <a:lstStyle/>
+              <a:p>
+                <a:pPr algn="r"/>
+                <a:r>
+                  <a:rPr lang="en-US" sz="1600" i="1" dirty="0" smtClean="0">
+                    <a:latin typeface="Lato Medium" panose="020F0502020204030203" pitchFamily="34" charset="0"/>
+                    <a:ea typeface="Lato Medium" panose="020F0502020204030203" pitchFamily="34" charset="0"/>
+                    <a:cs typeface="Lato Medium" panose="020F0502020204030203" pitchFamily="34" charset="0"/>
+                  </a:rPr>
+                  <a:t>Candidate:</a:t>
+                </a:r>
+              </a:p>
+              <a:p>
+                <a:pPr algn="r"/>
+                <a:r>
+                  <a:rPr lang="en-US" sz="1600" dirty="0" smtClean="0">
+                    <a:latin typeface="Lato Medium" panose="020F0502020204030203" pitchFamily="34" charset="0"/>
+                    <a:ea typeface="Lato Medium" panose="020F0502020204030203" pitchFamily="34" charset="0"/>
+                    <a:cs typeface="Lato Medium" panose="020F0502020204030203" pitchFamily="34" charset="0"/>
+                  </a:rPr>
+                  <a:t>Marco E. Celia</a:t>
+                </a:r>
+                <a:endParaRPr lang="en-US" sz="1600" dirty="0">
+                  <a:latin typeface="Lato Medium" panose="020F0502020204030203" pitchFamily="34" charset="0"/>
+                  <a:ea typeface="Lato Medium" panose="020F0502020204030203" pitchFamily="34" charset="0"/>
+                  <a:cs typeface="Lato Medium" panose="020F0502020204030203" pitchFamily="34" charset="0"/>
+                </a:endParaRPr>
+              </a:p>
+            </p:txBody>
+          </p:sp>
+        </p:grpSp>
+      </p:grpSp>
     </p:spTree>
     <p:extLst>
       <p:ext uri="{BB962C8B-B14F-4D97-AF65-F5344CB8AC3E}">
@@ -7551,7 +7819,7 @@
                 <a:ea typeface="Lato" panose="020F0502020204030203" pitchFamily="34" charset="0"/>
                 <a:cs typeface="Lato" panose="020F0502020204030203" pitchFamily="34" charset="0"/>
               </a:rPr>
-              <a:t>July 12, 2017</a:t>
+              <a:t>July 14, 2017</a:t>
             </a:fld>
             <a:endParaRPr lang="en-US" dirty="0">
               <a:solidFill>
@@ -9197,7 +9465,7 @@
                 <a:ea typeface="Lato" panose="020F0502020204030203" pitchFamily="34" charset="0"/>
                 <a:cs typeface="Lato" panose="020F0502020204030203" pitchFamily="34" charset="0"/>
               </a:rPr>
-              <a:t>July 12, 2017</a:t>
+              <a:t>July 14, 2017</a:t>
             </a:fld>
             <a:endParaRPr lang="en-US" dirty="0">
               <a:solidFill>
@@ -11533,7 +11801,7 @@
                 <a:ea typeface="Lato" panose="020F0502020204030203" pitchFamily="34" charset="0"/>
                 <a:cs typeface="Lato" panose="020F0502020204030203" pitchFamily="34" charset="0"/>
               </a:rPr>
-              <a:t>July 12, 2017</a:t>
+              <a:t>July 14, 2017</a:t>
             </a:fld>
             <a:endParaRPr lang="en-US" dirty="0">
               <a:solidFill>
@@ -12655,7 +12923,7 @@
                 <a:ea typeface="Lato" panose="020F0502020204030203" pitchFamily="34" charset="0"/>
                 <a:cs typeface="Lato" panose="020F0502020204030203" pitchFamily="34" charset="0"/>
               </a:rPr>
-              <a:t>July 12, 2017</a:t>
+              <a:t>July 14, 2017</a:t>
             </a:fld>
             <a:endParaRPr lang="en-US" dirty="0">
               <a:solidFill>
@@ -13234,7 +13502,7 @@
                 <a:ea typeface="Lato" panose="020F0502020204030203" pitchFamily="34" charset="0"/>
                 <a:cs typeface="Lato" panose="020F0502020204030203" pitchFamily="34" charset="0"/>
               </a:rPr>
-              <a:t>July 12, 2017</a:t>
+              <a:t>July 14, 2017</a:t>
             </a:fld>
             <a:endParaRPr lang="en-US" dirty="0">
               <a:solidFill>
@@ -14155,7 +14423,7 @@
                 <a:ea typeface="Lato" panose="020F0502020204030203" pitchFamily="34" charset="0"/>
                 <a:cs typeface="Lato" panose="020F0502020204030203" pitchFamily="34" charset="0"/>
               </a:rPr>
-              <a:t>July 12, 2017</a:t>
+              <a:t>July 14, 2017</a:t>
             </a:fld>
             <a:endParaRPr lang="en-US" dirty="0">
               <a:solidFill>
@@ -16720,7 +16988,7 @@
                 <a:ea typeface="Lato" panose="020F0502020204030203" pitchFamily="34" charset="0"/>
                 <a:cs typeface="Lato" panose="020F0502020204030203" pitchFamily="34" charset="0"/>
               </a:rPr>
-              <a:t>July 12, 2017</a:t>
+              <a:t>July 14, 2017</a:t>
             </a:fld>
             <a:endParaRPr lang="en-US" dirty="0">
               <a:solidFill>
@@ -17297,7 +17565,7 @@
                 <a:ea typeface="Lato" panose="020F0502020204030203" pitchFamily="34" charset="0"/>
                 <a:cs typeface="Lato" panose="020F0502020204030203" pitchFamily="34" charset="0"/>
               </a:rPr>
-              <a:t>July 12, 2017</a:t>
+              <a:t>July 14, 2017</a:t>
             </a:fld>
             <a:endParaRPr lang="en-US" dirty="0">
               <a:solidFill>
@@ -17854,7 +18122,7 @@
                 <a:ea typeface="Lato" panose="020F0502020204030203" pitchFamily="34" charset="0"/>
                 <a:cs typeface="Lato" panose="020F0502020204030203" pitchFamily="34" charset="0"/>
               </a:rPr>
-              <a:t>July 12, 2017</a:t>
+              <a:t>July 14, 2017</a:t>
             </a:fld>
             <a:endParaRPr lang="en-US" dirty="0">
               <a:solidFill>
@@ -18757,7 +19025,7 @@
                 <a:ea typeface="Lato" panose="020F0502020204030203" pitchFamily="34" charset="0"/>
                 <a:cs typeface="Lato" panose="020F0502020204030203" pitchFamily="34" charset="0"/>
               </a:rPr>
-              <a:t>July 12, 2017</a:t>
+              <a:t>July 14, 2017</a:t>
             </a:fld>
             <a:endParaRPr lang="en-US" dirty="0">
               <a:solidFill>
@@ -19276,7 +19544,7 @@
                 <a:ea typeface="Lato" panose="020F0502020204030203" pitchFamily="34" charset="0"/>
                 <a:cs typeface="Lato" panose="020F0502020204030203" pitchFamily="34" charset="0"/>
               </a:rPr>
-              <a:t>July 12, 2017</a:t>
+              <a:t>July 14, 2017</a:t>
             </a:fld>
             <a:endParaRPr lang="en-US" dirty="0">
               <a:solidFill>
@@ -19690,20 +19958,7 @@
                 <a:ea typeface="Lato" panose="020F0502020204030203" pitchFamily="34" charset="0"/>
                 <a:cs typeface="Lato" panose="020F0502020204030203" pitchFamily="34" charset="0"/>
               </a:rPr>
-              <a:t>Requirement </a:t>
-            </a:r>
-            <a:r>
-              <a:rPr lang="en-GB" sz="2000" dirty="0" smtClean="0">
-                <a:solidFill>
-                  <a:schemeClr val="bg1">
-                    <a:lumMod val="75000"/>
-                  </a:schemeClr>
-                </a:solidFill>
-                <a:latin typeface="Lato" panose="020F0502020204030203" pitchFamily="34" charset="0"/>
-                <a:ea typeface="Lato" panose="020F0502020204030203" pitchFamily="34" charset="0"/>
-                <a:cs typeface="Lato" panose="020F0502020204030203" pitchFamily="34" charset="0"/>
-              </a:rPr>
-              <a:t>Editor</a:t>
+              <a:t>Requirement Editor</a:t>
             </a:r>
           </a:p>
           <a:p>
@@ -19740,16 +19995,6 @@
               </a:rPr>
               <a:t>Conclusion</a:t>
             </a:r>
-            <a:endParaRPr lang="en-GB" sz="2000" dirty="0" smtClean="0">
-              <a:solidFill>
-                <a:schemeClr val="bg1">
-                  <a:lumMod val="75000"/>
-                </a:schemeClr>
-              </a:solidFill>
-              <a:latin typeface="Lato" panose="020F0502020204030203" pitchFamily="34" charset="0"/>
-              <a:ea typeface="Lato" panose="020F0502020204030203" pitchFamily="34" charset="0"/>
-              <a:cs typeface="Lato" panose="020F0502020204030203" pitchFamily="34" charset="0"/>
-            </a:endParaRPr>
           </a:p>
         </p:txBody>
       </p:sp>
@@ -19868,7 +20113,7 @@
                 <a:ea typeface="Lato" panose="020F0502020204030203" pitchFamily="34" charset="0"/>
                 <a:cs typeface="Lato" panose="020F0502020204030203" pitchFamily="34" charset="0"/>
               </a:rPr>
-              <a:t>July 12, 2017</a:t>
+              <a:t>July 14, 2017</a:t>
             </a:fld>
             <a:endParaRPr lang="en-US" dirty="0">
               <a:solidFill>
@@ -20281,6 +20526,39 @@
             </a:r>
           </a:p>
           <a:p>
+            <a:pPr marL="457200" indent="-457200">
+              <a:buFont typeface="+mj-lt"/>
+              <a:buAutoNum type="arabicPeriod"/>
+            </a:pPr>
+            <a:endParaRPr lang="en-GB" sz="2000" dirty="0" smtClean="0">
+              <a:solidFill>
+                <a:schemeClr val="bg1">
+                  <a:lumMod val="75000"/>
+                </a:schemeClr>
+              </a:solidFill>
+              <a:latin typeface="Lato" panose="020F0502020204030203" pitchFamily="34" charset="0"/>
+              <a:ea typeface="Lato" panose="020F0502020204030203" pitchFamily="34" charset="0"/>
+              <a:cs typeface="Lato" panose="020F0502020204030203" pitchFamily="34" charset="0"/>
+            </a:endParaRPr>
+          </a:p>
+          <a:p>
+            <a:pPr marL="457200" indent="-457200">
+              <a:buFont typeface="+mj-lt"/>
+              <a:buAutoNum type="arabicPeriod"/>
+            </a:pPr>
+            <a:r>
+              <a:rPr lang="en-GB" sz="2000" dirty="0" smtClean="0">
+                <a:solidFill>
+                  <a:schemeClr val="bg1">
+                    <a:lumMod val="75000"/>
+                  </a:schemeClr>
+                </a:solidFill>
+                <a:latin typeface="Lato" panose="020F0502020204030203" pitchFamily="34" charset="0"/>
+                <a:ea typeface="Lato" panose="020F0502020204030203" pitchFamily="34" charset="0"/>
+                <a:cs typeface="Lato" panose="020F0502020204030203" pitchFamily="34" charset="0"/>
+              </a:rPr>
+              <a:t>Conclusion</a:t>
+            </a:r>
             <a:endParaRPr lang="en-GB" sz="2000" dirty="0">
               <a:solidFill>
                 <a:schemeClr val="bg1">
@@ -20291,25 +20569,6 @@
               <a:ea typeface="Lato" panose="020F0502020204030203" pitchFamily="34" charset="0"/>
               <a:cs typeface="Lato" panose="020F0502020204030203" pitchFamily="34" charset="0"/>
             </a:endParaRPr>
-          </a:p>
-          <a:p>
-            <a:pPr marL="457200" indent="-457200">
-              <a:buFont typeface="+mj-lt"/>
-              <a:buAutoNum type="arabicPeriod"/>
-            </a:pPr>
-            <a:r>
-              <a:rPr lang="en-GB" sz="2000" dirty="0">
-                <a:solidFill>
-                  <a:schemeClr val="bg1">
-                    <a:lumMod val="75000"/>
-                  </a:schemeClr>
-                </a:solidFill>
-                <a:latin typeface="Lato" panose="020F0502020204030203" pitchFamily="34" charset="0"/>
-                <a:ea typeface="Lato" panose="020F0502020204030203" pitchFamily="34" charset="0"/>
-                <a:cs typeface="Lato" panose="020F0502020204030203" pitchFamily="34" charset="0"/>
-              </a:rPr>
-              <a:t>Conclusion</a:t>
-            </a:r>
           </a:p>
         </p:txBody>
       </p:sp>
@@ -20553,7 +20812,7 @@
                 <a:ea typeface="Lato" panose="020F0502020204030203" pitchFamily="34" charset="0"/>
                 <a:cs typeface="Lato" panose="020F0502020204030203" pitchFamily="34" charset="0"/>
               </a:rPr>
-              <a:t>July 12, 2017</a:t>
+              <a:t>July 14, 2017</a:t>
             </a:fld>
             <a:endParaRPr lang="en-US" dirty="0">
               <a:solidFill>
@@ -21208,33 +21467,15 @@
                                   </p:childTnLst>
                                 </p:cTn>
                               </p:par>
-                            </p:childTnLst>
-                          </p:cTn>
-                        </p:par>
-                      </p:childTnLst>
-                    </p:cTn>
-                  </p:par>
-                  <p:par>
-                    <p:cTn id="7" fill="hold">
-                      <p:stCondLst>
-                        <p:cond delay="indefinite"/>
-                      </p:stCondLst>
-                      <p:childTnLst>
-                        <p:par>
-                          <p:cTn id="8" fill="hold">
-                            <p:stCondLst>
-                              <p:cond delay="0"/>
-                            </p:stCondLst>
-                            <p:childTnLst>
                               <p:par>
-                                <p:cTn id="9" presetID="1" presetClass="entr" presetSubtype="0" fill="hold" nodeType="clickEffect">
+                                <p:cTn id="7" presetID="1" presetClass="entr" presetSubtype="0" fill="hold" nodeType="withEffect">
                                   <p:stCondLst>
                                     <p:cond delay="0"/>
                                   </p:stCondLst>
                                   <p:childTnLst>
                                     <p:set>
                                       <p:cBhvr>
-                                        <p:cTn id="10" dur="1" fill="hold">
+                                        <p:cTn id="8" dur="1" fill="hold">
                                           <p:stCondLst>
                                             <p:cond delay="0"/>
                                           </p:stCondLst>
@@ -21260,26 +21501,26 @@
                     </p:cTn>
                   </p:par>
                   <p:par>
-                    <p:cTn id="11" fill="hold">
+                    <p:cTn id="9" fill="hold">
                       <p:stCondLst>
                         <p:cond delay="indefinite"/>
                       </p:stCondLst>
                       <p:childTnLst>
                         <p:par>
-                          <p:cTn id="12" fill="hold">
+                          <p:cTn id="10" fill="hold">
                             <p:stCondLst>
                               <p:cond delay="0"/>
                             </p:stCondLst>
                             <p:childTnLst>
                               <p:par>
-                                <p:cTn id="13" presetID="1" presetClass="entr" presetSubtype="0" fill="hold" grpId="0" nodeType="clickEffect">
+                                <p:cTn id="11" presetID="1" presetClass="entr" presetSubtype="0" fill="hold" grpId="0" nodeType="clickEffect">
                                   <p:stCondLst>
                                     <p:cond delay="0"/>
                                   </p:stCondLst>
                                   <p:childTnLst>
                                     <p:set>
                                       <p:cBhvr>
-                                        <p:cTn id="14" dur="1" fill="hold">
+                                        <p:cTn id="12" dur="1" fill="hold">
                                           <p:stCondLst>
                                             <p:cond delay="0"/>
                                           </p:stCondLst>
@@ -21298,33 +21539,15 @@
                                   </p:childTnLst>
                                 </p:cTn>
                               </p:par>
-                            </p:childTnLst>
-                          </p:cTn>
-                        </p:par>
-                      </p:childTnLst>
-                    </p:cTn>
-                  </p:par>
-                  <p:par>
-                    <p:cTn id="15" fill="hold">
-                      <p:stCondLst>
-                        <p:cond delay="indefinite"/>
-                      </p:stCondLst>
-                      <p:childTnLst>
-                        <p:par>
-                          <p:cTn id="16" fill="hold">
-                            <p:stCondLst>
-                              <p:cond delay="0"/>
-                            </p:stCondLst>
-                            <p:childTnLst>
                               <p:par>
-                                <p:cTn id="17" presetID="1" presetClass="entr" presetSubtype="0" fill="hold" nodeType="clickEffect">
+                                <p:cTn id="13" presetID="1" presetClass="entr" presetSubtype="0" fill="hold" nodeType="withEffect">
                                   <p:stCondLst>
                                     <p:cond delay="0"/>
                                   </p:stCondLst>
                                   <p:childTnLst>
                                     <p:set>
                                       <p:cBhvr>
-                                        <p:cTn id="18" dur="1" fill="hold">
+                                        <p:cTn id="14" dur="1" fill="hold">
                                           <p:stCondLst>
                                             <p:cond delay="0"/>
                                           </p:stCondLst>
@@ -21905,7 +22128,7 @@
                 <a:ea typeface="Lato" panose="020F0502020204030203" pitchFamily="34" charset="0"/>
                 <a:cs typeface="Lato" panose="020F0502020204030203" pitchFamily="34" charset="0"/>
               </a:rPr>
-              <a:t>July 12, 2017</a:t>
+              <a:t>July 14, 2017</a:t>
             </a:fld>
             <a:endParaRPr lang="en-US" dirty="0">
               <a:solidFill>
@@ -22603,7 +22826,7 @@
                 <a:ea typeface="Lato" panose="020F0502020204030203" pitchFamily="34" charset="0"/>
                 <a:cs typeface="Lato" panose="020F0502020204030203" pitchFamily="34" charset="0"/>
               </a:rPr>
-              <a:t>July 12, 2017</a:t>
+              <a:t>July 14, 2017</a:t>
             </a:fld>
             <a:endParaRPr lang="en-US" dirty="0">
               <a:solidFill>
@@ -23078,7 +23301,7 @@
                 <a:ea typeface="Lato" panose="020F0502020204030203" pitchFamily="34" charset="0"/>
                 <a:cs typeface="Lato" panose="020F0502020204030203" pitchFamily="34" charset="0"/>
               </a:rPr>
-              <a:t>July 12, 2017</a:t>
+              <a:t>July 14, 2017</a:t>
             </a:fld>
             <a:endParaRPr lang="en-US" dirty="0">
               <a:solidFill>
@@ -23670,7 +23893,7 @@
                 <a:ea typeface="Lato" panose="020F0502020204030203" pitchFamily="34" charset="0"/>
                 <a:cs typeface="Lato" panose="020F0502020204030203" pitchFamily="34" charset="0"/>
               </a:rPr>
-              <a:t>July 12, 2017</a:t>
+              <a:t>July 14, 2017</a:t>
             </a:fld>
             <a:endParaRPr lang="en-US" dirty="0">
               <a:solidFill>
@@ -25260,7 +25483,7 @@
                 <a:ea typeface="Lato" panose="020F0502020204030203" pitchFamily="34" charset="0"/>
                 <a:cs typeface="Lato" panose="020F0502020204030203" pitchFamily="34" charset="0"/>
               </a:rPr>
-              <a:t>July 12, 2017</a:t>
+              <a:t>July 14, 2017</a:t>
             </a:fld>
             <a:endParaRPr lang="en-US" dirty="0">
               <a:solidFill>
@@ -25842,7 +26065,7 @@
                 <a:ea typeface="Lato" panose="020F0502020204030203" pitchFamily="34" charset="0"/>
                 <a:cs typeface="Lato" panose="020F0502020204030203" pitchFamily="34" charset="0"/>
               </a:rPr>
-              <a:t>July 12, 2017</a:t>
+              <a:t>July 14, 2017</a:t>
             </a:fld>
             <a:endParaRPr lang="en-US" dirty="0">
               <a:solidFill>
@@ -26434,7 +26657,7 @@
                 <a:ea typeface="Lato" panose="020F0502020204030203" pitchFamily="34" charset="0"/>
                 <a:cs typeface="Lato" panose="020F0502020204030203" pitchFamily="34" charset="0"/>
               </a:rPr>
-              <a:t>July 12, 2017</a:t>
+              <a:t>July 14, 2017</a:t>
             </a:fld>
             <a:endParaRPr lang="en-US" dirty="0">
               <a:solidFill>
@@ -27247,7 +27470,7 @@
                 <a:ea typeface="Lato" panose="020F0502020204030203" pitchFamily="34" charset="0"/>
                 <a:cs typeface="Lato" panose="020F0502020204030203" pitchFamily="34" charset="0"/>
               </a:rPr>
-              <a:t>July 12, 2017</a:t>
+              <a:t>July 14, 2017</a:t>
             </a:fld>
             <a:endParaRPr lang="en-US" dirty="0">
               <a:solidFill>
@@ -27694,7 +27917,7 @@
                 <a:ea typeface="Lato" panose="020F0502020204030203" pitchFamily="34" charset="0"/>
                 <a:cs typeface="Lato" panose="020F0502020204030203" pitchFamily="34" charset="0"/>
               </a:rPr>
-              <a:t>July 12, 2017</a:t>
+              <a:t>July 14, 2017</a:t>
             </a:fld>
             <a:endParaRPr lang="en-US" dirty="0">
               <a:solidFill>
@@ -29343,7 +29566,7 @@
                 <a:ea typeface="Lato" panose="020F0502020204030203" pitchFamily="34" charset="0"/>
                 <a:cs typeface="Lato" panose="020F0502020204030203" pitchFamily="34" charset="0"/>
               </a:rPr>
-              <a:t>July 12, 2017</a:t>
+              <a:t>July 14, 2017</a:t>
             </a:fld>
             <a:endParaRPr lang="en-US" dirty="0">
               <a:solidFill>
@@ -30111,11 +30334,11 @@
   <p:clrMapOvr>
     <a:masterClrMapping/>
   </p:clrMapOvr>
-  <mc:AlternateContent xmlns:mc="http://schemas.openxmlformats.org/markup-compatibility/2006">
-    <mc:Choice xmlns:p14="http://schemas.microsoft.com/office/powerpoint/2010/main" Requires="p14">
+  <mc:AlternateContent xmlns:mc="http://schemas.openxmlformats.org/markup-compatibility/2006" xmlns:p14="http://schemas.microsoft.com/office/powerpoint/2010/main">
+    <mc:Choice Requires="p14">
       <p:transition spd="slow" p14:dur="2000"/>
     </mc:Choice>
-    <mc:Fallback>
+    <mc:Fallback xmlns="">
       <p:transition spd="slow"/>
     </mc:Fallback>
   </mc:AlternateContent>
@@ -30224,7 +30447,7 @@
                 <a:ea typeface="Lato" panose="020F0502020204030203" pitchFamily="34" charset="0"/>
                 <a:cs typeface="Lato" panose="020F0502020204030203" pitchFamily="34" charset="0"/>
               </a:rPr>
-              <a:t>July 12, 2017</a:t>
+              <a:t>July 14, 2017</a:t>
             </a:fld>
             <a:endParaRPr lang="en-US" dirty="0">
               <a:solidFill>
@@ -30638,20 +30861,7 @@
                 <a:ea typeface="Lato" panose="020F0502020204030203" pitchFamily="34" charset="0"/>
                 <a:cs typeface="Lato" panose="020F0502020204030203" pitchFamily="34" charset="0"/>
               </a:rPr>
-              <a:t>Requirement </a:t>
-            </a:r>
-            <a:r>
-              <a:rPr lang="en-GB" sz="2000" dirty="0" smtClean="0">
-                <a:solidFill>
-                  <a:schemeClr val="bg1">
-                    <a:lumMod val="75000"/>
-                  </a:schemeClr>
-                </a:solidFill>
-                <a:latin typeface="Lato" panose="020F0502020204030203" pitchFamily="34" charset="0"/>
-                <a:ea typeface="Lato" panose="020F0502020204030203" pitchFamily="34" charset="0"/>
-                <a:cs typeface="Lato" panose="020F0502020204030203" pitchFamily="34" charset="0"/>
-              </a:rPr>
-              <a:t>Editor</a:t>
+              <a:t>Requirement Editor</a:t>
             </a:r>
           </a:p>
           <a:p>
@@ -30688,16 +30898,6 @@
               </a:rPr>
               <a:t>Conclusion</a:t>
             </a:r>
-            <a:endParaRPr lang="en-GB" sz="2000" dirty="0" smtClean="0">
-              <a:solidFill>
-                <a:schemeClr val="bg1">
-                  <a:lumMod val="75000"/>
-                </a:schemeClr>
-              </a:solidFill>
-              <a:latin typeface="Lato" panose="020F0502020204030203" pitchFamily="34" charset="0"/>
-              <a:ea typeface="Lato" panose="020F0502020204030203" pitchFamily="34" charset="0"/>
-              <a:cs typeface="Lato" panose="020F0502020204030203" pitchFamily="34" charset="0"/>
-            </a:endParaRPr>
           </a:p>
         </p:txBody>
       </p:sp>
@@ -30816,7 +31016,7 @@
                 <a:ea typeface="Lato" panose="020F0502020204030203" pitchFamily="34" charset="0"/>
                 <a:cs typeface="Lato" panose="020F0502020204030203" pitchFamily="34" charset="0"/>
               </a:rPr>
-              <a:t>July 12, 2017</a:t>
+              <a:t>July 14, 2017</a:t>
             </a:fld>
             <a:endParaRPr lang="en-US" dirty="0">
               <a:solidFill>
@@ -31777,7 +31977,7 @@
                 <a:ea typeface="Lato" panose="020F0502020204030203" pitchFamily="34" charset="0"/>
                 <a:cs typeface="Lato" panose="020F0502020204030203" pitchFamily="34" charset="0"/>
               </a:rPr>
-              <a:t>July 12, 2017</a:t>
+              <a:t>July 14, 2017</a:t>
             </a:fld>
             <a:endParaRPr lang="en-US" dirty="0">
               <a:solidFill>
@@ -31902,15 +32102,7 @@
                 <a:ea typeface="Lato Medium" panose="020F0502020204030203" pitchFamily="34" charset="0"/>
                 <a:cs typeface="Lato Medium" panose="020F0502020204030203" pitchFamily="34" charset="0"/>
               </a:rPr>
-              <a:t>Specification </a:t>
-            </a:r>
-            <a:r>
-              <a:rPr lang="en-GB" sz="2400" b="1" dirty="0" smtClean="0">
-                <a:latin typeface="Lato Medium" panose="020F0502020204030203" pitchFamily="34" charset="0"/>
-                <a:ea typeface="Lato Medium" panose="020F0502020204030203" pitchFamily="34" charset="0"/>
-                <a:cs typeface="Lato Medium" panose="020F0502020204030203" pitchFamily="34" charset="0"/>
-              </a:rPr>
-              <a:t>Languages</a:t>
+              <a:t>Specification Languages</a:t>
             </a:r>
             <a:endParaRPr lang="en-US" sz="2400" b="1" dirty="0">
               <a:latin typeface="Lato Medium" panose="020F0502020204030203" pitchFamily="34" charset="0"/>
@@ -33348,7 +33540,7 @@
                 <a:ea typeface="Lato" panose="020F0502020204030203" pitchFamily="34" charset="0"/>
                 <a:cs typeface="Lato" panose="020F0502020204030203" pitchFamily="34" charset="0"/>
               </a:rPr>
-              <a:t>July 12, 2017</a:t>
+              <a:t>July 14, 2017</a:t>
             </a:fld>
             <a:endParaRPr lang="en-US" dirty="0">
               <a:solidFill>
@@ -33473,15 +33665,7 @@
                 <a:ea typeface="Lato Medium" panose="020F0502020204030203" pitchFamily="34" charset="0"/>
                 <a:cs typeface="Lato Medium" panose="020F0502020204030203" pitchFamily="34" charset="0"/>
               </a:rPr>
-              <a:t>Requirements </a:t>
-            </a:r>
-            <a:r>
-              <a:rPr lang="en-GB" sz="2400" b="1" dirty="0" smtClean="0">
-                <a:latin typeface="Lato Medium" panose="020F0502020204030203" pitchFamily="34" charset="0"/>
-                <a:ea typeface="Lato Medium" panose="020F0502020204030203" pitchFamily="34" charset="0"/>
-                <a:cs typeface="Lato Medium" panose="020F0502020204030203" pitchFamily="34" charset="0"/>
-              </a:rPr>
-              <a:t>Verification</a:t>
+              <a:t>Requirements Verification</a:t>
             </a:r>
             <a:endParaRPr lang="en-US" sz="2400" b="1" dirty="0">
               <a:latin typeface="Lato Medium" panose="020F0502020204030203" pitchFamily="34" charset="0"/>
@@ -34272,15 +34456,7 @@
                 <a:ea typeface="Lato" panose="020F0502020204030203" pitchFamily="34" charset="0"/>
                 <a:cs typeface="Lato" panose="020F0502020204030203" pitchFamily="34" charset="0"/>
               </a:rPr>
-              <a:t>Monitors are based on the formal specification of a property</a:t>
-            </a:r>
-            <a:r>
-              <a:rPr lang="en-GB" dirty="0" smtClean="0">
-                <a:latin typeface="Lato" panose="020F0502020204030203" pitchFamily="34" charset="0"/>
-                <a:ea typeface="Lato" panose="020F0502020204030203" pitchFamily="34" charset="0"/>
-                <a:cs typeface="Lato" panose="020F0502020204030203" pitchFamily="34" charset="0"/>
-              </a:rPr>
-              <a:t>.</a:t>
+              <a:t>Monitors are based on the formal specification of a property.</a:t>
             </a:r>
           </a:p>
           <a:p>
@@ -34787,20 +34963,7 @@
                 <a:ea typeface="Lato" panose="020F0502020204030203" pitchFamily="34" charset="0"/>
                 <a:cs typeface="Lato" panose="020F0502020204030203" pitchFamily="34" charset="0"/>
               </a:rPr>
-              <a:t>Verification- </a:t>
-            </a:r>
-            <a:r>
-              <a:rPr lang="en-GB" sz="1050" i="1" dirty="0" smtClean="0">
-                <a:solidFill>
-                  <a:schemeClr val="bg1">
-                    <a:lumMod val="65000"/>
-                  </a:schemeClr>
-                </a:solidFill>
-                <a:latin typeface="Lato" panose="020F0502020204030203" pitchFamily="34" charset="0"/>
-                <a:ea typeface="Lato" panose="020F0502020204030203" pitchFamily="34" charset="0"/>
-                <a:cs typeface="Lato" panose="020F0502020204030203" pitchFamily="34" charset="0"/>
-              </a:rPr>
-              <a:t>Simulation Environment</a:t>
+              <a:t>Verification- Simulation Environment</a:t>
             </a:r>
             <a:endParaRPr lang="en-US" sz="1050" i="1" dirty="0">
               <a:solidFill>
@@ -34848,33 +35011,7 @@
                 <a:ea typeface="Lato" panose="020F0502020204030203" pitchFamily="34" charset="0"/>
                 <a:cs typeface="Lato" panose="020F0502020204030203" pitchFamily="34" charset="0"/>
               </a:rPr>
-              <a:t>Top-Level </a:t>
-            </a:r>
-            <a:r>
-              <a:rPr lang="en-GB" sz="1050" i="1" dirty="0" smtClean="0">
-                <a:solidFill>
-                  <a:schemeClr val="bg1">
-                    <a:lumMod val="65000"/>
-                  </a:schemeClr>
-                </a:solidFill>
-                <a:latin typeface="Lato" panose="020F0502020204030203" pitchFamily="34" charset="0"/>
-                <a:ea typeface="Lato" panose="020F0502020204030203" pitchFamily="34" charset="0"/>
-                <a:cs typeface="Lato" panose="020F0502020204030203" pitchFamily="34" charset="0"/>
-              </a:rPr>
-              <a:t>Requirements </a:t>
-            </a:r>
-            <a:r>
-              <a:rPr lang="en-GB" sz="1050" i="1" dirty="0" smtClean="0">
-                <a:solidFill>
-                  <a:schemeClr val="bg1">
-                    <a:lumMod val="65000"/>
-                  </a:schemeClr>
-                </a:solidFill>
-                <a:latin typeface="Lato" panose="020F0502020204030203" pitchFamily="34" charset="0"/>
-                <a:ea typeface="Lato" panose="020F0502020204030203" pitchFamily="34" charset="0"/>
-                <a:cs typeface="Lato" panose="020F0502020204030203" pitchFamily="34" charset="0"/>
-              </a:rPr>
-              <a:t>- Text Editor</a:t>
+              <a:t>Top-Level Requirements - Text Editor</a:t>
             </a:r>
             <a:endParaRPr lang="en-US" sz="1050" i="1" dirty="0">
               <a:solidFill>
@@ -35749,7 +35886,7 @@
                 <a:ea typeface="Lato" panose="020F0502020204030203" pitchFamily="34" charset="0"/>
                 <a:cs typeface="Lato" panose="020F0502020204030203" pitchFamily="34" charset="0"/>
               </a:rPr>
-              <a:t>July 12, 2017</a:t>
+              <a:t>July 14, 2017</a:t>
             </a:fld>
             <a:endParaRPr lang="en-US" dirty="0">
               <a:solidFill>
@@ -36163,20 +36300,7 @@
                 <a:ea typeface="Lato" panose="020F0502020204030203" pitchFamily="34" charset="0"/>
                 <a:cs typeface="Lato" panose="020F0502020204030203" pitchFamily="34" charset="0"/>
               </a:rPr>
-              <a:t>Requirement </a:t>
-            </a:r>
-            <a:r>
-              <a:rPr lang="en-GB" sz="2000" dirty="0" smtClean="0">
-                <a:solidFill>
-                  <a:schemeClr val="bg1">
-                    <a:lumMod val="75000"/>
-                  </a:schemeClr>
-                </a:solidFill>
-                <a:latin typeface="Lato" panose="020F0502020204030203" pitchFamily="34" charset="0"/>
-                <a:ea typeface="Lato" panose="020F0502020204030203" pitchFamily="34" charset="0"/>
-                <a:cs typeface="Lato" panose="020F0502020204030203" pitchFamily="34" charset="0"/>
-              </a:rPr>
-              <a:t>Editor</a:t>
+              <a:t>Requirement Editor</a:t>
             </a:r>
           </a:p>
           <a:p>
@@ -36213,16 +36337,6 @@
               </a:rPr>
               <a:t>Conclusion</a:t>
             </a:r>
-            <a:endParaRPr lang="en-GB" sz="2000" dirty="0" smtClean="0">
-              <a:solidFill>
-                <a:schemeClr val="bg1">
-                  <a:lumMod val="75000"/>
-                </a:schemeClr>
-              </a:solidFill>
-              <a:latin typeface="Lato" panose="020F0502020204030203" pitchFamily="34" charset="0"/>
-              <a:ea typeface="Lato" panose="020F0502020204030203" pitchFamily="34" charset="0"/>
-              <a:cs typeface="Lato" panose="020F0502020204030203" pitchFamily="34" charset="0"/>
-            </a:endParaRPr>
           </a:p>
         </p:txBody>
       </p:sp>
